--- a/tutorials/ocrug_hackathon_04-2021_tutorial1_dplyr.pptx
+++ b/tutorials/ocrug_hackathon_04-2021_tutorial1_dplyr.pptx
@@ -235,7 +235,7 @@
           <a:p>
             <a:fld id="{621E6D3D-C8D2-4648-9DDD-002D43E1CB38}" type="datetimeFigureOut">
               <a:rPr lang="en-US" smtClean="0"/>
-              <a:t>4/6/21</a:t>
+              <a:t>4/10/21</a:t>
             </a:fld>
             <a:endParaRPr lang="en-US"/>
           </a:p>
@@ -3579,7 +3579,7 @@
           <a:p>
             <a:fld id="{814048CA-B89A-884A-814F-D6C4FF046312}" type="datetimeFigureOut">
               <a:rPr lang="en-US" smtClean="0"/>
-              <a:t>4/6/21</a:t>
+              <a:t>4/10/21</a:t>
             </a:fld>
             <a:endParaRPr lang="en-US"/>
           </a:p>
@@ -3777,7 +3777,7 @@
           <a:p>
             <a:fld id="{814048CA-B89A-884A-814F-D6C4FF046312}" type="datetimeFigureOut">
               <a:rPr lang="en-US" smtClean="0"/>
-              <a:t>4/6/21</a:t>
+              <a:t>4/10/21</a:t>
             </a:fld>
             <a:endParaRPr lang="en-US"/>
           </a:p>
@@ -3985,7 +3985,7 @@
           <a:p>
             <a:fld id="{814048CA-B89A-884A-814F-D6C4FF046312}" type="datetimeFigureOut">
               <a:rPr lang="en-US" smtClean="0"/>
-              <a:t>4/6/21</a:t>
+              <a:t>4/10/21</a:t>
             </a:fld>
             <a:endParaRPr lang="en-US"/>
           </a:p>
@@ -5030,7 +5030,7 @@
           <a:p>
             <a:fld id="{814048CA-B89A-884A-814F-D6C4FF046312}" type="datetimeFigureOut">
               <a:rPr lang="en-US" smtClean="0"/>
-              <a:t>4/6/21</a:t>
+              <a:t>4/10/21</a:t>
             </a:fld>
             <a:endParaRPr lang="en-US"/>
           </a:p>
@@ -5305,7 +5305,7 @@
           <a:p>
             <a:fld id="{814048CA-B89A-884A-814F-D6C4FF046312}" type="datetimeFigureOut">
               <a:rPr lang="en-US" smtClean="0"/>
-              <a:t>4/6/21</a:t>
+              <a:t>4/10/21</a:t>
             </a:fld>
             <a:endParaRPr lang="en-US"/>
           </a:p>
@@ -5570,7 +5570,7 @@
           <a:p>
             <a:fld id="{814048CA-B89A-884A-814F-D6C4FF046312}" type="datetimeFigureOut">
               <a:rPr lang="en-US" smtClean="0"/>
-              <a:t>4/6/21</a:t>
+              <a:t>4/10/21</a:t>
             </a:fld>
             <a:endParaRPr lang="en-US"/>
           </a:p>
@@ -5982,7 +5982,7 @@
           <a:p>
             <a:fld id="{814048CA-B89A-884A-814F-D6C4FF046312}" type="datetimeFigureOut">
               <a:rPr lang="en-US" smtClean="0"/>
-              <a:t>4/6/21</a:t>
+              <a:t>4/10/21</a:t>
             </a:fld>
             <a:endParaRPr lang="en-US"/>
           </a:p>
@@ -6123,7 +6123,7 @@
           <a:p>
             <a:fld id="{814048CA-B89A-884A-814F-D6C4FF046312}" type="datetimeFigureOut">
               <a:rPr lang="en-US" smtClean="0"/>
-              <a:t>4/6/21</a:t>
+              <a:t>4/10/21</a:t>
             </a:fld>
             <a:endParaRPr lang="en-US"/>
           </a:p>
@@ -6236,7 +6236,7 @@
           <a:p>
             <a:fld id="{814048CA-B89A-884A-814F-D6C4FF046312}" type="datetimeFigureOut">
               <a:rPr lang="en-US" smtClean="0"/>
-              <a:t>4/6/21</a:t>
+              <a:t>4/10/21</a:t>
             </a:fld>
             <a:endParaRPr lang="en-US"/>
           </a:p>
@@ -6547,7 +6547,7 @@
           <a:p>
             <a:fld id="{814048CA-B89A-884A-814F-D6C4FF046312}" type="datetimeFigureOut">
               <a:rPr lang="en-US" smtClean="0"/>
-              <a:t>4/6/21</a:t>
+              <a:t>4/10/21</a:t>
             </a:fld>
             <a:endParaRPr lang="en-US"/>
           </a:p>
@@ -6835,7 +6835,7 @@
           <a:p>
             <a:fld id="{814048CA-B89A-884A-814F-D6C4FF046312}" type="datetimeFigureOut">
               <a:rPr lang="en-US" smtClean="0"/>
-              <a:t>4/6/21</a:t>
+              <a:t>4/10/21</a:t>
             </a:fld>
             <a:endParaRPr lang="en-US"/>
           </a:p>
@@ -7076,7 +7076,7 @@
           <a:p>
             <a:fld id="{814048CA-B89A-884A-814F-D6C4FF046312}" type="datetimeFigureOut">
               <a:rPr lang="en-US" smtClean="0"/>
-              <a:t>4/6/21</a:t>
+              <a:t>4/10/21</a:t>
             </a:fld>
             <a:endParaRPr lang="en-US"/>
           </a:p>
@@ -21008,7 +21008,7 @@
                 </a:solidFill>
                 <a:latin typeface="Courier" pitchFamily="2" charset="0"/>
               </a:rPr>
-              <a:t># only get the cars with 4 cylinders AND horsepower above 200</a:t>
+              <a:t># only get the cars with 8 cylinders AND horsepower above 200</a:t>
             </a:r>
           </a:p>
           <a:p>
@@ -21043,7 +21043,7 @@
               <a:rPr lang="en-US" sz="1800" dirty="0">
                 <a:latin typeface="Courier" pitchFamily="2" charset="0"/>
               </a:rPr>
-              <a:t> == 4, hp &gt; 200)</a:t>
+              <a:t> == 8, hp &gt; 200)</a:t>
             </a:r>
           </a:p>
         </p:txBody>
